--- a/cuves/docs/Cuve_1000L.pptx
+++ b/cuves/docs/Cuve_1000L.pptx
@@ -7,6 +7,7 @@
   <p:sldIdLst>
     <p:sldId id="256" r:id="rId2"/>
     <p:sldId id="257" r:id="rId3"/>
+    <p:sldId id="258" r:id="rId4"/>
   </p:sldIdLst>
   <p:sldSz cx="12192000" cy="6858000"/>
   <p:notesSz cx="6858000" cy="9144000"/>
@@ -260,7 +261,7 @@
           <a:p>
             <a:fld id="{86CD65D8-E6F6-48B1-BF1B-BF7E0286D138}" type="datetimeFigureOut">
               <a:rPr lang="fr-FR" smtClean="0"/>
-              <a:t>24/08/2024</a:t>
+              <a:t>27/04/2025</a:t>
             </a:fld>
             <a:endParaRPr lang="fr-FR"/>
           </a:p>
@@ -458,7 +459,7 @@
           <a:p>
             <a:fld id="{86CD65D8-E6F6-48B1-BF1B-BF7E0286D138}" type="datetimeFigureOut">
               <a:rPr lang="fr-FR" smtClean="0"/>
-              <a:t>24/08/2024</a:t>
+              <a:t>27/04/2025</a:t>
             </a:fld>
             <a:endParaRPr lang="fr-FR"/>
           </a:p>
@@ -666,7 +667,7 @@
           <a:p>
             <a:fld id="{86CD65D8-E6F6-48B1-BF1B-BF7E0286D138}" type="datetimeFigureOut">
               <a:rPr lang="fr-FR" smtClean="0"/>
-              <a:t>24/08/2024</a:t>
+              <a:t>27/04/2025</a:t>
             </a:fld>
             <a:endParaRPr lang="fr-FR"/>
           </a:p>
@@ -864,7 +865,7 @@
           <a:p>
             <a:fld id="{86CD65D8-E6F6-48B1-BF1B-BF7E0286D138}" type="datetimeFigureOut">
               <a:rPr lang="fr-FR" smtClean="0"/>
-              <a:t>24/08/2024</a:t>
+              <a:t>27/04/2025</a:t>
             </a:fld>
             <a:endParaRPr lang="fr-FR"/>
           </a:p>
@@ -1139,7 +1140,7 @@
           <a:p>
             <a:fld id="{86CD65D8-E6F6-48B1-BF1B-BF7E0286D138}" type="datetimeFigureOut">
               <a:rPr lang="fr-FR" smtClean="0"/>
-              <a:t>24/08/2024</a:t>
+              <a:t>27/04/2025</a:t>
             </a:fld>
             <a:endParaRPr lang="fr-FR"/>
           </a:p>
@@ -1404,7 +1405,7 @@
           <a:p>
             <a:fld id="{86CD65D8-E6F6-48B1-BF1B-BF7E0286D138}" type="datetimeFigureOut">
               <a:rPr lang="fr-FR" smtClean="0"/>
-              <a:t>24/08/2024</a:t>
+              <a:t>27/04/2025</a:t>
             </a:fld>
             <a:endParaRPr lang="fr-FR"/>
           </a:p>
@@ -1816,7 +1817,7 @@
           <a:p>
             <a:fld id="{86CD65D8-E6F6-48B1-BF1B-BF7E0286D138}" type="datetimeFigureOut">
               <a:rPr lang="fr-FR" smtClean="0"/>
-              <a:t>24/08/2024</a:t>
+              <a:t>27/04/2025</a:t>
             </a:fld>
             <a:endParaRPr lang="fr-FR"/>
           </a:p>
@@ -1957,7 +1958,7 @@
           <a:p>
             <a:fld id="{86CD65D8-E6F6-48B1-BF1B-BF7E0286D138}" type="datetimeFigureOut">
               <a:rPr lang="fr-FR" smtClean="0"/>
-              <a:t>24/08/2024</a:t>
+              <a:t>27/04/2025</a:t>
             </a:fld>
             <a:endParaRPr lang="fr-FR"/>
           </a:p>
@@ -2070,7 +2071,7 @@
           <a:p>
             <a:fld id="{86CD65D8-E6F6-48B1-BF1B-BF7E0286D138}" type="datetimeFigureOut">
               <a:rPr lang="fr-FR" smtClean="0"/>
-              <a:t>24/08/2024</a:t>
+              <a:t>27/04/2025</a:t>
             </a:fld>
             <a:endParaRPr lang="fr-FR"/>
           </a:p>
@@ -2381,7 +2382,7 @@
           <a:p>
             <a:fld id="{86CD65D8-E6F6-48B1-BF1B-BF7E0286D138}" type="datetimeFigureOut">
               <a:rPr lang="fr-FR" smtClean="0"/>
-              <a:t>24/08/2024</a:t>
+              <a:t>27/04/2025</a:t>
             </a:fld>
             <a:endParaRPr lang="fr-FR"/>
           </a:p>
@@ -2669,7 +2670,7 @@
           <a:p>
             <a:fld id="{86CD65D8-E6F6-48B1-BF1B-BF7E0286D138}" type="datetimeFigureOut">
               <a:rPr lang="fr-FR" smtClean="0"/>
-              <a:t>24/08/2024</a:t>
+              <a:t>27/04/2025</a:t>
             </a:fld>
             <a:endParaRPr lang="fr-FR"/>
           </a:p>
@@ -2910,7 +2911,7 @@
           <a:p>
             <a:fld id="{86CD65D8-E6F6-48B1-BF1B-BF7E0286D138}" type="datetimeFigureOut">
               <a:rPr lang="fr-FR" smtClean="0"/>
-              <a:t>24/08/2024</a:t>
+              <a:t>27/04/2025</a:t>
             </a:fld>
             <a:endParaRPr lang="fr-FR"/>
           </a:p>
@@ -5320,6 +5321,454 @@
     <p:extLst>
       <p:ext uri="{BB962C8B-B14F-4D97-AF65-F5344CB8AC3E}">
         <p14:creationId xmlns:p14="http://schemas.microsoft.com/office/powerpoint/2010/main" val="1360911271"/>
+      </p:ext>
+    </p:extLst>
+  </p:cSld>
+  <p:clrMapOvr>
+    <a:masterClrMapping/>
+  </p:clrMapOvr>
+</p:sld>
+</file>
+
+<file path=ppt/slides/slide3.xml><?xml version="1.0" encoding="utf-8"?>
+<p:sld xmlns:a="http://schemas.openxmlformats.org/drawingml/2006/main" xmlns:r="http://schemas.openxmlformats.org/officeDocument/2006/relationships" xmlns:p="http://schemas.openxmlformats.org/presentationml/2006/main">
+  <p:cSld>
+    <p:spTree>
+      <p:nvGrpSpPr>
+        <p:cNvPr id="1" name=""/>
+        <p:cNvGrpSpPr/>
+        <p:nvPr/>
+      </p:nvGrpSpPr>
+      <p:grpSpPr>
+        <a:xfrm>
+          <a:off x="0" y="0"/>
+          <a:ext cx="0" cy="0"/>
+          <a:chOff x="0" y="0"/>
+          <a:chExt cx="0" cy="0"/>
+        </a:xfrm>
+      </p:grpSpPr>
+      <p:pic>
+        <p:nvPicPr>
+          <p:cNvPr id="5" name="Image 4">
+            <a:extLst>
+              <a:ext uri="{FF2B5EF4-FFF2-40B4-BE49-F238E27FC236}">
+                <a16:creationId xmlns:a16="http://schemas.microsoft.com/office/drawing/2014/main" id="{81E3AD08-EF71-1747-51ED-956495F1F26C}"/>
+              </a:ext>
+            </a:extLst>
+          </p:cNvPr>
+          <p:cNvPicPr>
+            <a:picLocks noChangeAspect="1"/>
+          </p:cNvPicPr>
+          <p:nvPr/>
+        </p:nvPicPr>
+        <p:blipFill>
+          <a:blip r:embed="rId2"/>
+          <a:stretch>
+            <a:fillRect/>
+          </a:stretch>
+        </p:blipFill>
+        <p:spPr>
+          <a:xfrm>
+            <a:off x="2867637" y="839650"/>
+            <a:ext cx="2038635" cy="2191056"/>
+          </a:xfrm>
+          <a:prstGeom prst="rect">
+            <a:avLst/>
+          </a:prstGeom>
+        </p:spPr>
+      </p:pic>
+      <p:grpSp>
+        <p:nvGrpSpPr>
+          <p:cNvPr id="10" name="Groupe 9">
+            <a:extLst>
+              <a:ext uri="{FF2B5EF4-FFF2-40B4-BE49-F238E27FC236}">
+                <a16:creationId xmlns:a16="http://schemas.microsoft.com/office/drawing/2014/main" id="{6F3C8B8F-C20A-4D2D-CA2D-1E9EB87B9D27}"/>
+              </a:ext>
+            </a:extLst>
+          </p:cNvPr>
+          <p:cNvGrpSpPr/>
+          <p:nvPr/>
+        </p:nvGrpSpPr>
+        <p:grpSpPr>
+          <a:xfrm>
+            <a:off x="4572000" y="2290813"/>
+            <a:ext cx="2379252" cy="781908"/>
+            <a:chOff x="4572000" y="2290813"/>
+            <a:chExt cx="2379252" cy="781908"/>
+          </a:xfrm>
+        </p:grpSpPr>
+        <p:cxnSp>
+          <p:nvCxnSpPr>
+            <p:cNvPr id="7" name="Connecteur droit avec flèche 6">
+              <a:extLst>
+                <a:ext uri="{FF2B5EF4-FFF2-40B4-BE49-F238E27FC236}">
+                  <a16:creationId xmlns:a16="http://schemas.microsoft.com/office/drawing/2014/main" id="{2F61F6B4-42EF-F79F-864E-CF454106001C}"/>
+                </a:ext>
+              </a:extLst>
+            </p:cNvPr>
+            <p:cNvCxnSpPr>
+              <a:cxnSpLocks/>
+            </p:cNvCxnSpPr>
+            <p:nvPr/>
+          </p:nvCxnSpPr>
+          <p:spPr>
+            <a:xfrm flipH="1" flipV="1">
+              <a:off x="4572000" y="2290813"/>
+              <a:ext cx="1258432" cy="597242"/>
+            </a:xfrm>
+            <a:prstGeom prst="straightConnector1">
+              <a:avLst/>
+            </a:prstGeom>
+            <a:ln>
+              <a:tailEnd type="triangle"/>
+            </a:ln>
+          </p:spPr>
+          <p:style>
+            <a:lnRef idx="2">
+              <a:schemeClr val="dk1"/>
+            </a:lnRef>
+            <a:fillRef idx="0">
+              <a:schemeClr val="dk1"/>
+            </a:fillRef>
+            <a:effectRef idx="1">
+              <a:schemeClr val="dk1"/>
+            </a:effectRef>
+            <a:fontRef idx="minor">
+              <a:schemeClr val="tx1"/>
+            </a:fontRef>
+          </p:style>
+        </p:cxnSp>
+        <p:sp>
+          <p:nvSpPr>
+            <p:cNvPr id="9" name="ZoneTexte 8">
+              <a:extLst>
+                <a:ext uri="{FF2B5EF4-FFF2-40B4-BE49-F238E27FC236}">
+                  <a16:creationId xmlns:a16="http://schemas.microsoft.com/office/drawing/2014/main" id="{417406CB-F4D5-60CD-3AE9-323D4F3281CD}"/>
+                </a:ext>
+              </a:extLst>
+            </p:cNvPr>
+            <p:cNvSpPr txBox="1"/>
+            <p:nvPr/>
+          </p:nvSpPr>
+          <p:spPr>
+            <a:xfrm>
+              <a:off x="5830432" y="2703389"/>
+              <a:ext cx="1120820" cy="369332"/>
+            </a:xfrm>
+            <a:prstGeom prst="rect">
+              <a:avLst/>
+            </a:prstGeom>
+            <a:noFill/>
+          </p:spPr>
+          <p:txBody>
+            <a:bodyPr wrap="none" rtlCol="0">
+              <a:spAutoFit/>
+            </a:bodyPr>
+            <a:lstStyle/>
+            <a:p>
+              <a:r>
+                <a:rPr lang="fr-FR" dirty="0"/>
+                <a:t>Commun</a:t>
+              </a:r>
+            </a:p>
+          </p:txBody>
+        </p:sp>
+      </p:grpSp>
+      <p:grpSp>
+        <p:nvGrpSpPr>
+          <p:cNvPr id="11" name="Groupe 10">
+            <a:extLst>
+              <a:ext uri="{FF2B5EF4-FFF2-40B4-BE49-F238E27FC236}">
+                <a16:creationId xmlns:a16="http://schemas.microsoft.com/office/drawing/2014/main" id="{80284285-758E-3E7D-A827-4C7C0B95AEAD}"/>
+              </a:ext>
+            </a:extLst>
+          </p:cNvPr>
+          <p:cNvGrpSpPr/>
+          <p:nvPr/>
+        </p:nvGrpSpPr>
+        <p:grpSpPr>
+          <a:xfrm>
+            <a:off x="4178726" y="2341131"/>
+            <a:ext cx="1044638" cy="840149"/>
+            <a:chOff x="4572000" y="2290813"/>
+            <a:chExt cx="1044638" cy="840149"/>
+          </a:xfrm>
+        </p:grpSpPr>
+        <p:cxnSp>
+          <p:nvCxnSpPr>
+            <p:cNvPr id="12" name="Connecteur droit avec flèche 11">
+              <a:extLst>
+                <a:ext uri="{FF2B5EF4-FFF2-40B4-BE49-F238E27FC236}">
+                  <a16:creationId xmlns:a16="http://schemas.microsoft.com/office/drawing/2014/main" id="{04BF273E-4C32-D293-61AA-D138C83DE32D}"/>
+                </a:ext>
+              </a:extLst>
+            </p:cNvPr>
+            <p:cNvCxnSpPr>
+              <a:cxnSpLocks/>
+            </p:cNvCxnSpPr>
+            <p:nvPr/>
+          </p:nvCxnSpPr>
+          <p:spPr>
+            <a:xfrm flipH="1" flipV="1">
+              <a:off x="4572000" y="2290813"/>
+              <a:ext cx="526328" cy="573312"/>
+            </a:xfrm>
+            <a:prstGeom prst="straightConnector1">
+              <a:avLst/>
+            </a:prstGeom>
+            <a:ln>
+              <a:tailEnd type="triangle"/>
+            </a:ln>
+          </p:spPr>
+          <p:style>
+            <a:lnRef idx="2">
+              <a:schemeClr val="dk1"/>
+            </a:lnRef>
+            <a:fillRef idx="0">
+              <a:schemeClr val="dk1"/>
+            </a:fillRef>
+            <a:effectRef idx="1">
+              <a:schemeClr val="dk1"/>
+            </a:effectRef>
+            <a:fontRef idx="minor">
+              <a:schemeClr val="tx1"/>
+            </a:fontRef>
+          </p:style>
+        </p:cxnSp>
+        <p:sp>
+          <p:nvSpPr>
+            <p:cNvPr id="13" name="ZoneTexte 12">
+              <a:extLst>
+                <a:ext uri="{FF2B5EF4-FFF2-40B4-BE49-F238E27FC236}">
+                  <a16:creationId xmlns:a16="http://schemas.microsoft.com/office/drawing/2014/main" id="{940BD519-B076-7BB1-4448-3B7892E52A2C}"/>
+                </a:ext>
+              </a:extLst>
+            </p:cNvPr>
+            <p:cNvSpPr txBox="1"/>
+            <p:nvPr/>
+          </p:nvSpPr>
+          <p:spPr>
+            <a:xfrm>
+              <a:off x="5056869" y="2761630"/>
+              <a:ext cx="559769" cy="369332"/>
+            </a:xfrm>
+            <a:prstGeom prst="rect">
+              <a:avLst/>
+            </a:prstGeom>
+            <a:noFill/>
+          </p:spPr>
+          <p:txBody>
+            <a:bodyPr wrap="none" rtlCol="0">
+              <a:spAutoFit/>
+            </a:bodyPr>
+            <a:lstStyle/>
+            <a:p>
+              <a:r>
+                <a:rPr lang="fr-FR" dirty="0"/>
+                <a:t>Bas</a:t>
+              </a:r>
+            </a:p>
+          </p:txBody>
+        </p:sp>
+      </p:grpSp>
+      <p:grpSp>
+        <p:nvGrpSpPr>
+          <p:cNvPr id="15" name="Groupe 14">
+            <a:extLst>
+              <a:ext uri="{FF2B5EF4-FFF2-40B4-BE49-F238E27FC236}">
+                <a16:creationId xmlns:a16="http://schemas.microsoft.com/office/drawing/2014/main" id="{A48A2EDB-B207-B284-01DD-30F2061D0690}"/>
+              </a:ext>
+            </a:extLst>
+          </p:cNvPr>
+          <p:cNvGrpSpPr/>
+          <p:nvPr/>
+        </p:nvGrpSpPr>
+        <p:grpSpPr>
+          <a:xfrm>
+            <a:off x="3913924" y="2467666"/>
+            <a:ext cx="1513316" cy="1181442"/>
+            <a:chOff x="4375363" y="2021628"/>
+            <a:chExt cx="1513316" cy="1181442"/>
+          </a:xfrm>
+        </p:grpSpPr>
+        <p:cxnSp>
+          <p:nvCxnSpPr>
+            <p:cNvPr id="16" name="Connecteur droit avec flèche 15">
+              <a:extLst>
+                <a:ext uri="{FF2B5EF4-FFF2-40B4-BE49-F238E27FC236}">
+                  <a16:creationId xmlns:a16="http://schemas.microsoft.com/office/drawing/2014/main" id="{A4B079E7-8EC6-9CA8-155F-03D79F05864C}"/>
+                </a:ext>
+              </a:extLst>
+            </p:cNvPr>
+            <p:cNvCxnSpPr>
+              <a:cxnSpLocks/>
+            </p:cNvCxnSpPr>
+            <p:nvPr/>
+          </p:nvCxnSpPr>
+          <p:spPr>
+            <a:xfrm flipH="1" flipV="1">
+              <a:off x="4375363" y="2021628"/>
+              <a:ext cx="749671" cy="935460"/>
+            </a:xfrm>
+            <a:prstGeom prst="straightConnector1">
+              <a:avLst/>
+            </a:prstGeom>
+            <a:ln>
+              <a:tailEnd type="triangle"/>
+            </a:ln>
+          </p:spPr>
+          <p:style>
+            <a:lnRef idx="2">
+              <a:schemeClr val="dk1"/>
+            </a:lnRef>
+            <a:fillRef idx="0">
+              <a:schemeClr val="dk1"/>
+            </a:fillRef>
+            <a:effectRef idx="1">
+              <a:schemeClr val="dk1"/>
+            </a:effectRef>
+            <a:fontRef idx="minor">
+              <a:schemeClr val="tx1"/>
+            </a:fontRef>
+          </p:style>
+        </p:cxnSp>
+        <p:sp>
+          <p:nvSpPr>
+            <p:cNvPr id="17" name="ZoneTexte 16">
+              <a:extLst>
+                <a:ext uri="{FF2B5EF4-FFF2-40B4-BE49-F238E27FC236}">
+                  <a16:creationId xmlns:a16="http://schemas.microsoft.com/office/drawing/2014/main" id="{4D5077A9-36E3-4139-C6F4-95841AB9DFF5}"/>
+                </a:ext>
+              </a:extLst>
+            </p:cNvPr>
+            <p:cNvSpPr txBox="1"/>
+            <p:nvPr/>
+          </p:nvSpPr>
+          <p:spPr>
+            <a:xfrm>
+              <a:off x="5102886" y="2833738"/>
+              <a:ext cx="785793" cy="369332"/>
+            </a:xfrm>
+            <a:prstGeom prst="rect">
+              <a:avLst/>
+            </a:prstGeom>
+            <a:noFill/>
+          </p:spPr>
+          <p:txBody>
+            <a:bodyPr wrap="none" rtlCol="0">
+              <a:spAutoFit/>
+            </a:bodyPr>
+            <a:lstStyle/>
+            <a:p>
+              <a:r>
+                <a:rPr lang="fr-FR" dirty="0"/>
+                <a:t>Milieu</a:t>
+              </a:r>
+            </a:p>
+          </p:txBody>
+        </p:sp>
+      </p:grpSp>
+      <p:grpSp>
+        <p:nvGrpSpPr>
+          <p:cNvPr id="21" name="Groupe 20">
+            <a:extLst>
+              <a:ext uri="{FF2B5EF4-FFF2-40B4-BE49-F238E27FC236}">
+                <a16:creationId xmlns:a16="http://schemas.microsoft.com/office/drawing/2014/main" id="{A192D7E5-E2FA-D23C-D7A1-3167A68C5E89}"/>
+              </a:ext>
+            </a:extLst>
+          </p:cNvPr>
+          <p:cNvGrpSpPr/>
+          <p:nvPr/>
+        </p:nvGrpSpPr>
+        <p:grpSpPr>
+          <a:xfrm>
+            <a:off x="3618705" y="2645853"/>
+            <a:ext cx="1424856" cy="1389754"/>
+            <a:chOff x="4375363" y="2021628"/>
+            <a:chExt cx="1424856" cy="1389754"/>
+          </a:xfrm>
+        </p:grpSpPr>
+        <p:cxnSp>
+          <p:nvCxnSpPr>
+            <p:cNvPr id="22" name="Connecteur droit avec flèche 21">
+              <a:extLst>
+                <a:ext uri="{FF2B5EF4-FFF2-40B4-BE49-F238E27FC236}">
+                  <a16:creationId xmlns:a16="http://schemas.microsoft.com/office/drawing/2014/main" id="{29DDB9C3-3549-4940-DA5F-EA41DA89DF00}"/>
+                </a:ext>
+              </a:extLst>
+            </p:cNvPr>
+            <p:cNvCxnSpPr>
+              <a:cxnSpLocks/>
+            </p:cNvCxnSpPr>
+            <p:nvPr/>
+          </p:nvCxnSpPr>
+          <p:spPr>
+            <a:xfrm flipH="1" flipV="1">
+              <a:off x="4375363" y="2021628"/>
+              <a:ext cx="812123" cy="1020422"/>
+            </a:xfrm>
+            <a:prstGeom prst="straightConnector1">
+              <a:avLst/>
+            </a:prstGeom>
+            <a:ln>
+              <a:tailEnd type="triangle"/>
+            </a:ln>
+          </p:spPr>
+          <p:style>
+            <a:lnRef idx="2">
+              <a:schemeClr val="dk1"/>
+            </a:lnRef>
+            <a:fillRef idx="0">
+              <a:schemeClr val="dk1"/>
+            </a:fillRef>
+            <a:effectRef idx="1">
+              <a:schemeClr val="dk1"/>
+            </a:effectRef>
+            <a:fontRef idx="minor">
+              <a:schemeClr val="tx1"/>
+            </a:fontRef>
+          </p:style>
+        </p:cxnSp>
+        <p:sp>
+          <p:nvSpPr>
+            <p:cNvPr id="23" name="ZoneTexte 22">
+              <a:extLst>
+                <a:ext uri="{FF2B5EF4-FFF2-40B4-BE49-F238E27FC236}">
+                  <a16:creationId xmlns:a16="http://schemas.microsoft.com/office/drawing/2014/main" id="{36917602-8532-9CA5-9344-D3F4F5ECACC6}"/>
+                </a:ext>
+              </a:extLst>
+            </p:cNvPr>
+            <p:cNvSpPr txBox="1"/>
+            <p:nvPr/>
+          </p:nvSpPr>
+          <p:spPr>
+            <a:xfrm>
+              <a:off x="5125034" y="3042050"/>
+              <a:ext cx="675185" cy="369332"/>
+            </a:xfrm>
+            <a:prstGeom prst="rect">
+              <a:avLst/>
+            </a:prstGeom>
+            <a:noFill/>
+          </p:spPr>
+          <p:txBody>
+            <a:bodyPr wrap="none" rtlCol="0">
+              <a:spAutoFit/>
+            </a:bodyPr>
+            <a:lstStyle/>
+            <a:p>
+              <a:r>
+                <a:rPr lang="fr-FR" dirty="0"/>
+                <a:t>Haut</a:t>
+              </a:r>
+            </a:p>
+          </p:txBody>
+        </p:sp>
+      </p:grpSp>
+    </p:spTree>
+    <p:extLst>
+      <p:ext uri="{BB962C8B-B14F-4D97-AF65-F5344CB8AC3E}">
+        <p14:creationId xmlns:p14="http://schemas.microsoft.com/office/powerpoint/2010/main" val="1127990183"/>
       </p:ext>
     </p:extLst>
   </p:cSld>
